--- a/Technology/Office/PPTTemplate/PPT_自建模板.pptx
+++ b/Technology/Office/PPTTemplate/PPT_自建模板.pptx
@@ -226,7 +226,7 @@
           <a:p>
             <a:fld id="{4165D42E-4A51-4FEA-BBD7-2C6D39A3E52A}" type="datetimeFigureOut">
               <a:rPr lang="zh-CN" altLang="en-US" smtClean="0"/>
-              <a:t>2021/4/8</a:t>
+              <a:t>2021/4/15</a:t>
             </a:fld>
             <a:endParaRPr lang="zh-CN" altLang="en-US"/>
           </a:p>
@@ -391,7 +391,7 @@
           <a:p>
             <a:fld id="{41A6E960-5D50-4039-9709-DDD706529081}" type="datetimeFigureOut">
               <a:rPr lang="zh-CN" altLang="en-US" smtClean="0"/>
-              <a:t>2021/4/8</a:t>
+              <a:t>2021/4/15</a:t>
             </a:fld>
             <a:endParaRPr lang="zh-CN" altLang="en-US"/>
           </a:p>
@@ -1093,7 +1093,7 @@
           <a:p>
             <a:fld id="{899F5AAC-C635-4E31-9A60-A766D6BAF677}" type="datetime1">
               <a:rPr lang="zh-CN" altLang="en-US" smtClean="0"/>
-              <a:t>2021/4/8</a:t>
+              <a:t>2021/4/15</a:t>
             </a:fld>
             <a:endParaRPr lang="zh-CN" altLang="en-US" dirty="0"/>
           </a:p>
@@ -1216,7 +1216,7 @@
           <a:p>
             <a:fld id="{43F3AD89-8F66-4637-A004-877E2E9A0C03}" type="datetime1">
               <a:rPr lang="zh-CN" altLang="en-US" smtClean="0"/>
-              <a:t>2021/4/8</a:t>
+              <a:t>2021/4/15</a:t>
             </a:fld>
             <a:endParaRPr lang="zh-CN" altLang="en-US"/>
           </a:p>
@@ -2895,7 +2895,7 @@
           <a:p>
             <a:fld id="{B9C7E2D6-C787-456E-8A31-89E5CCD7E7E2}" type="datetime1">
               <a:rPr lang="zh-CN" altLang="en-US" smtClean="0"/>
-              <a:t>2021/4/8</a:t>
+              <a:t>2021/4/15</a:t>
             </a:fld>
             <a:endParaRPr lang="zh-CN" altLang="en-US"/>
           </a:p>
@@ -3374,7 +3374,7 @@
                 <a:latin typeface="+mj-ea"/>
                 <a:ea typeface="+mj-ea"/>
               </a:rPr>
-              <a:t>2021/4/8</a:t>
+              <a:t>2021/4/15</a:t>
             </a:fld>
             <a:endParaRPr lang="zh-CN" altLang="en-US" sz="1800" dirty="0">
               <a:solidFill>
@@ -3565,42 +3565,6 @@
           </a:extLst>
         </p:spPr>
       </p:pic>
-      <p:pic>
-        <p:nvPicPr>
-          <p:cNvPr id="4" name="图片 3">
-            <a:extLst>
-              <a:ext uri="{FF2B5EF4-FFF2-40B4-BE49-F238E27FC236}">
-                <a16:creationId xmlns:a16="http://schemas.microsoft.com/office/drawing/2014/main" id="{CB8F0DF2-6D31-4B11-A2B5-BFABBAA039D1}"/>
-              </a:ext>
-            </a:extLst>
-          </p:cNvPr>
-          <p:cNvPicPr>
-            <a:picLocks noChangeAspect="1"/>
-          </p:cNvPicPr>
-          <p:nvPr/>
-        </p:nvPicPr>
-        <p:blipFill>
-          <a:blip r:embed="rId3">
-            <a:extLst>
-              <a:ext uri="{28A0092B-C50C-407E-A947-70E740481C1C}">
-                <a14:useLocalDpi xmlns:a14="http://schemas.microsoft.com/office/drawing/2010/main" val="0"/>
-              </a:ext>
-            </a:extLst>
-          </a:blip>
-          <a:stretch>
-            <a:fillRect/>
-          </a:stretch>
-        </p:blipFill>
-        <p:spPr>
-          <a:xfrm>
-            <a:off x="3398420" y="2111040"/>
-            <a:ext cx="4095750" cy="4095750"/>
-          </a:xfrm>
-          <a:prstGeom prst="rect">
-            <a:avLst/>
-          </a:prstGeom>
-        </p:spPr>
-      </p:pic>
       <p:sp>
         <p:nvSpPr>
           <p:cNvPr id="5" name="文本框 4">
@@ -3646,6 +3610,42 @@
           </a:p>
         </p:txBody>
       </p:sp>
+      <p:pic>
+        <p:nvPicPr>
+          <p:cNvPr id="6" name="图片 5">
+            <a:extLst>
+              <a:ext uri="{FF2B5EF4-FFF2-40B4-BE49-F238E27FC236}">
+                <a16:creationId xmlns:a16="http://schemas.microsoft.com/office/drawing/2014/main" id="{3E849AC6-E96A-4D2F-B23B-F09AC1675667}"/>
+              </a:ext>
+            </a:extLst>
+          </p:cNvPr>
+          <p:cNvPicPr>
+            <a:picLocks noChangeAspect="1"/>
+          </p:cNvPicPr>
+          <p:nvPr/>
+        </p:nvPicPr>
+        <p:blipFill>
+          <a:blip r:embed="rId3">
+            <a:extLst>
+              <a:ext uri="{28A0092B-C50C-407E-A947-70E740481C1C}">
+                <a14:useLocalDpi xmlns:a14="http://schemas.microsoft.com/office/drawing/2010/main" val="0"/>
+              </a:ext>
+            </a:extLst>
+          </a:blip>
+          <a:stretch>
+            <a:fillRect/>
+          </a:stretch>
+        </p:blipFill>
+        <p:spPr>
+          <a:xfrm>
+            <a:off x="3402430" y="2190111"/>
+            <a:ext cx="4095750" cy="4095750"/>
+          </a:xfrm>
+          <a:prstGeom prst="rect">
+            <a:avLst/>
+          </a:prstGeom>
+        </p:spPr>
+      </p:pic>
     </p:spTree>
     <p:extLst>
       <p:ext uri="{BB962C8B-B14F-4D97-AF65-F5344CB8AC3E}">
